--- a/slides/LLMs/05  Gen AI - Business Apps.pptx
+++ b/slides/LLMs/05  Gen AI - Business Apps.pptx
@@ -5,10 +5,10 @@
     <p:sldMasterId id="2147483648" r:id="rId1"/>
   </p:sldMasterIdLst>
   <p:notesMasterIdLst>
-    <p:notesMasterId r:id="rId17"/>
+    <p:notesMasterId r:id="rId16"/>
   </p:notesMasterIdLst>
   <p:handoutMasterIdLst>
-    <p:handoutMasterId r:id="rId18"/>
+    <p:handoutMasterId r:id="rId17"/>
   </p:handoutMasterIdLst>
   <p:sldIdLst>
     <p:sldId id="256" r:id="rId3"/>
@@ -23,8 +23,7 @@
     <p:sldId id="431" r:id="rId12"/>
     <p:sldId id="437" r:id="rId13"/>
     <p:sldId id="438" r:id="rId14"/>
-    <p:sldId id="452" r:id="rId15"/>
-    <p:sldId id="1315" r:id="rId16"/>
+    <p:sldId id="1315" r:id="rId15"/>
   </p:sldIdLst>
   <p:sldSz cx="12192000" cy="6858000"/>
   <p:notesSz cx="6858000" cy="9144000"/>
@@ -3647,40 +3646,12 @@
           <a:lstStyle/>
           <a:p>
             <a:r>
-              <a:rPr lang="en-US" altLang="en-US" dirty="0"/>
-              <a:t>Generative AI</a:t>
-            </a:r>
-            <a:endParaRPr lang="en-US" altLang="en-US" dirty="0"/>
-          </a:p>
-        </p:txBody>
-      </p:sp>
-      <p:sp>
-        <p:nvSpPr>
-          <p:cNvPr id="3" name="Subtitle 2"/>
-          <p:cNvSpPr>
-            <a:spLocks noGrp="1"/>
-          </p:cNvSpPr>
-          <p:nvPr>
-            <p:ph type="subTitle" idx="1"/>
-          </p:nvPr>
-        </p:nvSpPr>
-        <p:spPr>
-          <a:xfrm>
-            <a:off x="1524000" y="1180465"/>
-            <a:ext cx="9144000" cy="588645"/>
-          </a:xfrm>
-        </p:spPr>
-        <p:txBody>
-          <a:bodyPr/>
-          <a:lstStyle/>
-          <a:p>
-            <a:r>
               <a:rPr lang="en-US">
                 <a:sym typeface="+mn-ea"/>
               </a:rPr>
-              <a:t>Retrieval Augmented Generation (RAG)</a:t>
-            </a:r>
-            <a:endParaRPr lang="en-US" altLang="en-US"/>
+              <a:t>Generative AI and Business</a:t>
+            </a:r>
+            <a:endParaRPr lang="en-US" altLang="en-US" dirty="0"/>
           </a:p>
         </p:txBody>
       </p:sp>
@@ -4008,153 +3979,6 @@
 </file>
 
 <file path=ppt/slides/slide13.xml><?xml version="1.0" encoding="utf-8"?>
-<p:sld xmlns:a="http://schemas.openxmlformats.org/drawingml/2006/main" xmlns:r="http://schemas.openxmlformats.org/officeDocument/2006/relationships" xmlns:p="http://schemas.openxmlformats.org/presentationml/2006/main">
-  <p:cSld>
-    <p:spTree>
-      <p:nvGrpSpPr>
-        <p:cNvPr id="1" name=""/>
-        <p:cNvGrpSpPr/>
-        <p:nvPr/>
-      </p:nvGrpSpPr>
-      <p:grpSpPr/>
-      <p:sp>
-        <p:nvSpPr>
-          <p:cNvPr id="2" name="Title 1"/>
-          <p:cNvSpPr>
-            <a:spLocks noGrp="1"/>
-          </p:cNvSpPr>
-          <p:nvPr>
-            <p:ph type="title"/>
-          </p:nvPr>
-        </p:nvSpPr>
-        <p:spPr/>
-        <p:txBody>
-          <a:bodyPr/>
-          <a:p>
-            <a:r>
-              <a:rPr lang="en-US"/>
-              <a:t>Summary</a:t>
-            </a:r>
-            <a:endParaRPr lang="en-US"/>
-          </a:p>
-        </p:txBody>
-      </p:sp>
-      <p:sp>
-        <p:nvSpPr>
-          <p:cNvPr id="3" name="Content Placeholder 2"/>
-          <p:cNvSpPr>
-            <a:spLocks noGrp="1"/>
-          </p:cNvSpPr>
-          <p:nvPr>
-            <p:ph idx="1"/>
-          </p:nvPr>
-        </p:nvSpPr>
-        <p:spPr/>
-        <p:txBody>
-          <a:bodyPr>
-            <a:normAutofit/>
-          </a:bodyPr>
-          <a:p>
-            <a:r>
-              <a:rPr lang="en-US"/>
-              <a:t>How generative AI works </a:t>
-            </a:r>
-            <a:endParaRPr lang="en-US"/>
-          </a:p>
-          <a:p>
-            <a:pPr lvl="1"/>
-            <a:r>
-              <a:rPr lang="en-US"/>
-              <a:t>What it can and cannot do</a:t>
-            </a:r>
-            <a:endParaRPr lang="en-US"/>
-          </a:p>
-          <a:p>
-            <a:pPr lvl="1"/>
-            <a:r>
-              <a:rPr lang="en-US"/>
-              <a:t>Common use cases: Writing, reading, chatting </a:t>
-            </a:r>
-            <a:endParaRPr lang="en-US"/>
-          </a:p>
-          <a:p>
-            <a:r>
-              <a:rPr lang="en-US"/>
-              <a:t>Generative AI Projects</a:t>
-            </a:r>
-            <a:endParaRPr lang="en-US"/>
-          </a:p>
-          <a:p>
-            <a:pPr lvl="1"/>
-            <a:r>
-              <a:rPr lang="en-US"/>
-              <a:t>Lifecycle of a generative AI project </a:t>
-            </a:r>
-            <a:endParaRPr lang="en-US"/>
-          </a:p>
-          <a:p>
-            <a:pPr lvl="1"/>
-            <a:r>
-              <a:rPr lang="en-US"/>
-              <a:t>Technology options: Prompting, RAG, Fine-tuning </a:t>
-            </a:r>
-            <a:endParaRPr lang="en-US"/>
-          </a:p>
-          <a:p>
-            <a:r>
-              <a:rPr lang="en-US"/>
-              <a:t>Implications on Business and Society</a:t>
-            </a:r>
-            <a:endParaRPr lang="en-US"/>
-          </a:p>
-          <a:p>
-            <a:pPr lvl="1"/>
-            <a:r>
-              <a:rPr lang="en-US"/>
-              <a:t>Analyzing tasks in jobs for automation or augmentation potential</a:t>
-            </a:r>
-            <a:endParaRPr lang="en-US"/>
-          </a:p>
-          <a:p>
-            <a:pPr lvl="1"/>
-            <a:r>
-              <a:rPr lang="en-US"/>
-              <a:t>Societal concerns, responsible AI</a:t>
-            </a:r>
-            <a:endParaRPr lang="en-US"/>
-          </a:p>
-        </p:txBody>
-      </p:sp>
-      <p:sp>
-        <p:nvSpPr>
-          <p:cNvPr id="4" name="Slide Number Placeholder 3"/>
-          <p:cNvSpPr>
-            <a:spLocks noGrp="1"/>
-          </p:cNvSpPr>
-          <p:nvPr>
-            <p:ph type="sldNum" sz="quarter" idx="12"/>
-          </p:nvPr>
-        </p:nvSpPr>
-        <p:spPr/>
-        <p:txBody>
-          <a:bodyPr/>
-          <a:p>
-            <a:fld id="{9B618960-8005-486C-9A75-10CB2AAC16F9}" type="slidenum">
-              <a:rPr lang="en-US" smtClean="0"/>
-            </a:fld>
-            <a:endParaRPr lang="en-US"/>
-          </a:p>
-        </p:txBody>
-      </p:sp>
-    </p:spTree>
-  </p:cSld>
-  <p:clrMapOvr>
-    <a:masterClrMapping/>
-  </p:clrMapOvr>
-</p:sld>
-</file>
-
-<file path=ppt/slides/slide14.xml><?xml version="1.0" encoding="utf-8"?>
 <p:sld xmlns:a="http://schemas.openxmlformats.org/drawingml/2006/main" xmlns:r="http://schemas.openxmlformats.org/officeDocument/2006/relationships" xmlns:p="http://schemas.openxmlformats.org/presentationml/2006/main">
   <p:cSld>
     <p:spTree>
